--- a/brWheel_my/wirings/XY_shifter_wiring_diagram.pptx
+++ b/brWheel_my/wirings/XY_shifter_wiring_diagram.pptx
@@ -241,7 +241,7 @@
           <a:p>
             <a:fld id="{A398FB1A-F8C3-427F-BE44-B87966AC4D7F}" type="datetimeFigureOut">
               <a:rPr lang="en-US" smtClean="0"/>
-              <a:t>08-Jul-22</a:t>
+              <a:t>14-Aug-22</a:t>
             </a:fld>
             <a:endParaRPr lang="en-US"/>
           </a:p>
@@ -409,7 +409,7 @@
           <a:p>
             <a:fld id="{A398FB1A-F8C3-427F-BE44-B87966AC4D7F}" type="datetimeFigureOut">
               <a:rPr lang="en-US" smtClean="0"/>
-              <a:t>08-Jul-22</a:t>
+              <a:t>14-Aug-22</a:t>
             </a:fld>
             <a:endParaRPr lang="en-US"/>
           </a:p>
@@ -587,7 +587,7 @@
           <a:p>
             <a:fld id="{A398FB1A-F8C3-427F-BE44-B87966AC4D7F}" type="datetimeFigureOut">
               <a:rPr lang="en-US" smtClean="0"/>
-              <a:t>08-Jul-22</a:t>
+              <a:t>14-Aug-22</a:t>
             </a:fld>
             <a:endParaRPr lang="en-US"/>
           </a:p>
@@ -755,7 +755,7 @@
           <a:p>
             <a:fld id="{A398FB1A-F8C3-427F-BE44-B87966AC4D7F}" type="datetimeFigureOut">
               <a:rPr lang="en-US" smtClean="0"/>
-              <a:t>08-Jul-22</a:t>
+              <a:t>14-Aug-22</a:t>
             </a:fld>
             <a:endParaRPr lang="en-US"/>
           </a:p>
@@ -1000,7 +1000,7 @@
           <a:p>
             <a:fld id="{A398FB1A-F8C3-427F-BE44-B87966AC4D7F}" type="datetimeFigureOut">
               <a:rPr lang="en-US" smtClean="0"/>
-              <a:t>08-Jul-22</a:t>
+              <a:t>14-Aug-22</a:t>
             </a:fld>
             <a:endParaRPr lang="en-US"/>
           </a:p>
@@ -1229,7 +1229,7 @@
           <a:p>
             <a:fld id="{A398FB1A-F8C3-427F-BE44-B87966AC4D7F}" type="datetimeFigureOut">
               <a:rPr lang="en-US" smtClean="0"/>
-              <a:t>08-Jul-22</a:t>
+              <a:t>14-Aug-22</a:t>
             </a:fld>
             <a:endParaRPr lang="en-US"/>
           </a:p>
@@ -1593,7 +1593,7 @@
           <a:p>
             <a:fld id="{A398FB1A-F8C3-427F-BE44-B87966AC4D7F}" type="datetimeFigureOut">
               <a:rPr lang="en-US" smtClean="0"/>
-              <a:t>08-Jul-22</a:t>
+              <a:t>14-Aug-22</a:t>
             </a:fld>
             <a:endParaRPr lang="en-US"/>
           </a:p>
@@ -1710,7 +1710,7 @@
           <a:p>
             <a:fld id="{A398FB1A-F8C3-427F-BE44-B87966AC4D7F}" type="datetimeFigureOut">
               <a:rPr lang="en-US" smtClean="0"/>
-              <a:t>08-Jul-22</a:t>
+              <a:t>14-Aug-22</a:t>
             </a:fld>
             <a:endParaRPr lang="en-US"/>
           </a:p>
@@ -1805,7 +1805,7 @@
           <a:p>
             <a:fld id="{A398FB1A-F8C3-427F-BE44-B87966AC4D7F}" type="datetimeFigureOut">
               <a:rPr lang="en-US" smtClean="0"/>
-              <a:t>08-Jul-22</a:t>
+              <a:t>14-Aug-22</a:t>
             </a:fld>
             <a:endParaRPr lang="en-US"/>
           </a:p>
@@ -2080,7 +2080,7 @@
           <a:p>
             <a:fld id="{A398FB1A-F8C3-427F-BE44-B87966AC4D7F}" type="datetimeFigureOut">
               <a:rPr lang="en-US" smtClean="0"/>
-              <a:t>08-Jul-22</a:t>
+              <a:t>14-Aug-22</a:t>
             </a:fld>
             <a:endParaRPr lang="en-US"/>
           </a:p>
@@ -2332,7 +2332,7 @@
           <a:p>
             <a:fld id="{A398FB1A-F8C3-427F-BE44-B87966AC4D7F}" type="datetimeFigureOut">
               <a:rPr lang="en-US" smtClean="0"/>
-              <a:t>08-Jul-22</a:t>
+              <a:t>14-Aug-22</a:t>
             </a:fld>
             <a:endParaRPr lang="en-US"/>
           </a:p>
@@ -2543,7 +2543,7 @@
           <a:p>
             <a:fld id="{A398FB1A-F8C3-427F-BE44-B87966AC4D7F}" type="datetimeFigureOut">
               <a:rPr lang="en-US" smtClean="0"/>
-              <a:t>08-Jul-22</a:t>
+              <a:t>14-Aug-22</a:t>
             </a:fld>
             <a:endParaRPr lang="en-US"/>
           </a:p>
@@ -3691,15 +3691,7 @@
           <a:p>
             <a:r>
               <a:rPr lang="en-US" dirty="0" smtClean="0"/>
-              <a:t>5V	</a:t>
-            </a:r>
-            <a:r>
-              <a:rPr lang="en-US" dirty="0" smtClean="0"/>
-              <a:t>5V (pot0,1 pin 3)</a:t>
-            </a:r>
-            <a:r>
-              <a:rPr lang="en-US" dirty="0" smtClean="0"/>
-              <a:t>	</a:t>
+              <a:t>5V	5V (pot0,1 pin 3)	</a:t>
             </a:r>
           </a:p>
           <a:p>
@@ -3723,18 +3715,12 @@
               <a:rPr lang="en-US" dirty="0" smtClean="0"/>
               <a:t>1)</a:t>
             </a:r>
-            <a:endParaRPr lang="en-US" dirty="0" smtClean="0"/>
           </a:p>
           <a:p>
             <a:r>
               <a:rPr lang="en-US" dirty="0" smtClean="0"/>
-              <a:t>A4	X </a:t>
-            </a:r>
-            <a:r>
-              <a:rPr lang="en-US" dirty="0" smtClean="0"/>
-              <a:t>position (pot0 pin2)</a:t>
-            </a:r>
-            <a:endParaRPr lang="en-US" dirty="0" smtClean="0"/>
+              <a:t>A4	X position (pot0 pin2)</a:t>
+            </a:r>
           </a:p>
           <a:p>
             <a:r>
@@ -3749,20 +3735,11 @@
               <a:rPr lang="en-US" dirty="0" smtClean="0"/>
               <a:t>pot1 pin2)</a:t>
             </a:r>
-            <a:endParaRPr lang="en-US" dirty="0" smtClean="0"/>
           </a:p>
           <a:p>
             <a:r>
               <a:rPr lang="en-US" dirty="0" smtClean="0"/>
-              <a:t>4, A3*</a:t>
-            </a:r>
-            <a:r>
-              <a:rPr lang="en-US" dirty="0" smtClean="0"/>
-              <a:t>	button0 </a:t>
-            </a:r>
-            <a:r>
-              <a:rPr lang="en-US" dirty="0" smtClean="0"/>
-              <a:t>(push switch)</a:t>
+              <a:t>4, A3*	button0 (push switch)</a:t>
             </a:r>
           </a:p>
           <a:p>
@@ -4096,15 +4073,7 @@
             </a:r>
             <a:r>
               <a:rPr lang="en-US" sz="1400" i="1" dirty="0" smtClean="0"/>
-              <a:t>ou need to press this </a:t>
-            </a:r>
-            <a:r>
-              <a:rPr lang="en-US" sz="1400" i="1" dirty="0" smtClean="0"/>
-              <a:t>switch </a:t>
-            </a:r>
-            <a:r>
-              <a:rPr lang="en-US" sz="1400" i="1" dirty="0" smtClean="0"/>
-              <a:t>and</a:t>
+              <a:t>ou need to press this switch and</a:t>
             </a:r>
           </a:p>
           <a:p>

--- a/brWheel_my/wirings/XY_shifter_wiring_diagram.pptx
+++ b/brWheel_my/wirings/XY_shifter_wiring_diagram.pptx
@@ -241,7 +241,7 @@
           <a:p>
             <a:fld id="{A398FB1A-F8C3-427F-BE44-B87966AC4D7F}" type="datetimeFigureOut">
               <a:rPr lang="en-US" smtClean="0"/>
-              <a:t>14-Aug-22</a:t>
+              <a:t>24-Mar-25</a:t>
             </a:fld>
             <a:endParaRPr lang="en-US"/>
           </a:p>
@@ -409,7 +409,7 @@
           <a:p>
             <a:fld id="{A398FB1A-F8C3-427F-BE44-B87966AC4D7F}" type="datetimeFigureOut">
               <a:rPr lang="en-US" smtClean="0"/>
-              <a:t>14-Aug-22</a:t>
+              <a:t>24-Mar-25</a:t>
             </a:fld>
             <a:endParaRPr lang="en-US"/>
           </a:p>
@@ -587,7 +587,7 @@
           <a:p>
             <a:fld id="{A398FB1A-F8C3-427F-BE44-B87966AC4D7F}" type="datetimeFigureOut">
               <a:rPr lang="en-US" smtClean="0"/>
-              <a:t>14-Aug-22</a:t>
+              <a:t>24-Mar-25</a:t>
             </a:fld>
             <a:endParaRPr lang="en-US"/>
           </a:p>
@@ -755,7 +755,7 @@
           <a:p>
             <a:fld id="{A398FB1A-F8C3-427F-BE44-B87966AC4D7F}" type="datetimeFigureOut">
               <a:rPr lang="en-US" smtClean="0"/>
-              <a:t>14-Aug-22</a:t>
+              <a:t>24-Mar-25</a:t>
             </a:fld>
             <a:endParaRPr lang="en-US"/>
           </a:p>
@@ -1000,7 +1000,7 @@
           <a:p>
             <a:fld id="{A398FB1A-F8C3-427F-BE44-B87966AC4D7F}" type="datetimeFigureOut">
               <a:rPr lang="en-US" smtClean="0"/>
-              <a:t>14-Aug-22</a:t>
+              <a:t>24-Mar-25</a:t>
             </a:fld>
             <a:endParaRPr lang="en-US"/>
           </a:p>
@@ -1229,7 +1229,7 @@
           <a:p>
             <a:fld id="{A398FB1A-F8C3-427F-BE44-B87966AC4D7F}" type="datetimeFigureOut">
               <a:rPr lang="en-US" smtClean="0"/>
-              <a:t>14-Aug-22</a:t>
+              <a:t>24-Mar-25</a:t>
             </a:fld>
             <a:endParaRPr lang="en-US"/>
           </a:p>
@@ -1593,7 +1593,7 @@
           <a:p>
             <a:fld id="{A398FB1A-F8C3-427F-BE44-B87966AC4D7F}" type="datetimeFigureOut">
               <a:rPr lang="en-US" smtClean="0"/>
-              <a:t>14-Aug-22</a:t>
+              <a:t>24-Mar-25</a:t>
             </a:fld>
             <a:endParaRPr lang="en-US"/>
           </a:p>
@@ -1710,7 +1710,7 @@
           <a:p>
             <a:fld id="{A398FB1A-F8C3-427F-BE44-B87966AC4D7F}" type="datetimeFigureOut">
               <a:rPr lang="en-US" smtClean="0"/>
-              <a:t>14-Aug-22</a:t>
+              <a:t>24-Mar-25</a:t>
             </a:fld>
             <a:endParaRPr lang="en-US"/>
           </a:p>
@@ -1805,7 +1805,7 @@
           <a:p>
             <a:fld id="{A398FB1A-F8C3-427F-BE44-B87966AC4D7F}" type="datetimeFigureOut">
               <a:rPr lang="en-US" smtClean="0"/>
-              <a:t>14-Aug-22</a:t>
+              <a:t>24-Mar-25</a:t>
             </a:fld>
             <a:endParaRPr lang="en-US"/>
           </a:p>
@@ -2080,7 +2080,7 @@
           <a:p>
             <a:fld id="{A398FB1A-F8C3-427F-BE44-B87966AC4D7F}" type="datetimeFigureOut">
               <a:rPr lang="en-US" smtClean="0"/>
-              <a:t>14-Aug-22</a:t>
+              <a:t>24-Mar-25</a:t>
             </a:fld>
             <a:endParaRPr lang="en-US"/>
           </a:p>
@@ -2332,7 +2332,7 @@
           <a:p>
             <a:fld id="{A398FB1A-F8C3-427F-BE44-B87966AC4D7F}" type="datetimeFigureOut">
               <a:rPr lang="en-US" smtClean="0"/>
-              <a:t>14-Aug-22</a:t>
+              <a:t>24-Mar-25</a:t>
             </a:fld>
             <a:endParaRPr lang="en-US"/>
           </a:p>
@@ -2543,7 +2543,7 @@
           <a:p>
             <a:fld id="{A398FB1A-F8C3-427F-BE44-B87966AC4D7F}" type="datetimeFigureOut">
               <a:rPr lang="en-US" smtClean="0"/>
-              <a:t>14-Aug-22</a:t>
+              <a:t>24-Mar-25</a:t>
             </a:fld>
             <a:endParaRPr lang="en-US"/>
           </a:p>
@@ -3001,13 +3001,8 @@
           <a:p>
             <a:r>
               <a:rPr lang="en-US" dirty="0"/>
-              <a:t>Arduino </a:t>
-            </a:r>
-            <a:r>
-              <a:rPr lang="en-US" dirty="0" smtClean="0"/>
-              <a:t>Leonardo or Micro only</a:t>
-            </a:r>
-            <a:endParaRPr lang="en-US" dirty="0"/>
+              <a:t>Arduino Leonardo or Micro only</a:t>
+            </a:r>
           </a:p>
         </p:txBody>
       </p:sp>
@@ -3328,10 +3323,9 @@
           <a:lstStyle/>
           <a:p>
             <a:r>
-              <a:rPr lang="en-US" sz="1400" dirty="0" smtClean="0"/>
+              <a:rPr lang="en-US" sz="1400" dirty="0"/>
               <a:t>A4</a:t>
             </a:r>
-            <a:endParaRPr lang="en-US" sz="1400" dirty="0"/>
           </a:p>
         </p:txBody>
       </p:sp>
@@ -3549,10 +3543,9 @@
           <a:lstStyle/>
           <a:p>
             <a:r>
-              <a:rPr lang="en-US" sz="1400" dirty="0" smtClean="0"/>
+              <a:rPr lang="en-US" sz="1400" dirty="0"/>
               <a:t>A5</a:t>
             </a:r>
-            <a:endParaRPr lang="en-US" sz="1400" dirty="0"/>
           </a:p>
         </p:txBody>
       </p:sp>
@@ -3616,10 +3609,9 @@
           <a:lstStyle/>
           <a:p>
             <a:r>
-              <a:rPr lang="en-US" sz="1400" i="1" dirty="0" smtClean="0"/>
+              <a:rPr lang="en-US" sz="1400" i="1" dirty="0"/>
               <a:t>10k linear pots</a:t>
             </a:r>
-            <a:endParaRPr lang="en-US" sz="1400" i="1" dirty="0"/>
           </a:p>
         </p:txBody>
       </p:sp>
@@ -3646,10 +3638,9 @@
           <a:lstStyle/>
           <a:p>
             <a:r>
-              <a:rPr lang="en-US" dirty="0" smtClean="0"/>
+              <a:rPr lang="en-US" dirty="0"/>
               <a:t>Wiring diagram for analog XY shifter (only valid for firmware with option “f”)</a:t>
             </a:r>
-            <a:endParaRPr lang="en-US" dirty="0"/>
           </a:p>
         </p:txBody>
       </p:sp>
@@ -3662,7 +3653,7 @@
         <p:spPr>
           <a:xfrm>
             <a:off x="8116247" y="4443360"/>
-            <a:ext cx="3575146" cy="2462213"/>
+            <a:ext cx="3693191" cy="2462213"/>
           </a:xfrm>
           <a:prstGeom prst="rect">
             <a:avLst/>
@@ -3676,92 +3667,51 @@
           <a:lstStyle/>
           <a:p>
             <a:r>
-              <a:rPr lang="en-US" dirty="0" smtClean="0"/>
-              <a:t>Arduino</a:t>
-            </a:r>
-            <a:r>
               <a:rPr lang="en-US" dirty="0"/>
-              <a:t>	</a:t>
-            </a:r>
-            <a:r>
-              <a:rPr lang="en-US" dirty="0" smtClean="0"/>
-              <a:t>XY shifter</a:t>
-            </a:r>
-          </a:p>
-          <a:p>
-            <a:r>
-              <a:rPr lang="en-US" dirty="0" smtClean="0"/>
+              <a:t>Arduino	XY shifter</a:t>
+            </a:r>
+          </a:p>
+          <a:p>
+            <a:r>
+              <a:rPr lang="en-US" dirty="0"/>
               <a:t>5V	5V (pot0,1 pin 3)	</a:t>
             </a:r>
           </a:p>
           <a:p>
             <a:r>
-              <a:rPr lang="en-US" dirty="0" smtClean="0"/>
-              <a:t>GND	</a:t>
-            </a:r>
-            <a:r>
               <a:rPr lang="en-US" dirty="0"/>
-              <a:t>GND (</a:t>
-            </a:r>
-            <a:r>
-              <a:rPr lang="en-US" dirty="0" smtClean="0"/>
-              <a:t>pot0,1 </a:t>
-            </a:r>
+              <a:t>GND	GND (pot0,1 pin 1)</a:t>
+            </a:r>
+          </a:p>
+          <a:p>
             <a:r>
               <a:rPr lang="en-US" dirty="0"/>
-              <a:t>pin </a:t>
-            </a:r>
-            <a:r>
-              <a:rPr lang="en-US" dirty="0" smtClean="0"/>
-              <a:t>1)</a:t>
-            </a:r>
-          </a:p>
-          <a:p>
-            <a:r>
-              <a:rPr lang="en-US" dirty="0" smtClean="0"/>
               <a:t>A4	X position (pot0 pin2)</a:t>
             </a:r>
           </a:p>
           <a:p>
             <a:r>
-              <a:rPr lang="en-US" dirty="0" smtClean="0"/>
-              <a:t>A5	Y </a:t>
-            </a:r>
-            <a:r>
               <a:rPr lang="en-US" dirty="0"/>
-              <a:t>position (</a:t>
-            </a:r>
-            <a:r>
-              <a:rPr lang="en-US" dirty="0" smtClean="0"/>
-              <a:t>pot1 pin2)</a:t>
-            </a:r>
-          </a:p>
-          <a:p>
-            <a:r>
-              <a:rPr lang="en-US" dirty="0" smtClean="0"/>
+              <a:t>A5	Y position (pot1 pin2)</a:t>
+            </a:r>
+          </a:p>
+          <a:p>
+            <a:r>
+              <a:rPr lang="en-US" dirty="0"/>
               <a:t>4, A3*	button0 (push switch)</a:t>
             </a:r>
           </a:p>
           <a:p>
             <a:r>
-              <a:rPr lang="en-US" sz="1400" i="1" dirty="0" smtClean="0"/>
-              <a:t>*</a:t>
-            </a:r>
-            <a:r>
               <a:rPr lang="en-US" sz="1400" i="1" dirty="0"/>
-              <a:t>w</a:t>
-            </a:r>
-            <a:r>
-              <a:rPr lang="en-US" sz="1400" i="1" dirty="0" smtClean="0"/>
-              <a:t>hen load cell is enabled fw-vXX2, note that</a:t>
-            </a:r>
-          </a:p>
-          <a:p>
-            <a:r>
-              <a:rPr lang="en-US" sz="1400" i="1" dirty="0" smtClean="0"/>
-              <a:t>button0 is at pin A3 instead</a:t>
-            </a:r>
-            <a:endParaRPr lang="en-US" sz="1400" i="1" dirty="0"/>
+              <a:t>*when load cell is enabled (firmware option “l”),</a:t>
+            </a:r>
+          </a:p>
+          <a:p>
+            <a:r>
+              <a:rPr lang="en-US" sz="1400" i="1" dirty="0"/>
+              <a:t>note that button0 is at pin A3 instead</a:t>
+            </a:r>
           </a:p>
           <a:p>
             <a:endParaRPr lang="en-US" dirty="0"/>
@@ -3890,20 +3840,15 @@
           <a:lstStyle/>
           <a:p>
             <a:r>
-              <a:rPr lang="en-US" dirty="0" smtClean="0"/>
+              <a:rPr lang="en-US" dirty="0"/>
               <a:t>button0 for</a:t>
             </a:r>
           </a:p>
           <a:p>
             <a:r>
               <a:rPr lang="en-US" dirty="0"/>
-              <a:t>reverse </a:t>
-            </a:r>
-            <a:r>
-              <a:rPr lang="en-US" dirty="0" smtClean="0"/>
-              <a:t>gear</a:t>
-            </a:r>
-            <a:endParaRPr lang="en-US" dirty="0"/>
+              <a:t>reverse gear</a:t>
+            </a:r>
           </a:p>
         </p:txBody>
       </p:sp>
@@ -4059,61 +4004,48 @@
           <a:p>
             <a:r>
               <a:rPr lang="en-US" sz="1400" i="1" dirty="0"/>
-              <a:t>i</a:t>
-            </a:r>
-            <a:r>
-              <a:rPr lang="en-US" sz="1400" i="1" dirty="0" smtClean="0"/>
-              <a:t>n order to activate a reverse gear</a:t>
+              <a:t>in order to activate a reverse gear</a:t>
             </a:r>
           </a:p>
           <a:p>
             <a:r>
               <a:rPr lang="en-US" sz="1400" i="1" dirty="0"/>
-              <a:t>y</a:t>
-            </a:r>
-            <a:r>
-              <a:rPr lang="en-US" sz="1400" i="1" dirty="0" smtClean="0"/>
-              <a:t>ou need to press this switch and</a:t>
+              <a:t>you need to press this switch and</a:t>
             </a:r>
           </a:p>
           <a:p>
             <a:r>
               <a:rPr lang="en-US" sz="1400" i="1" dirty="0"/>
-              <a:t>s</a:t>
-            </a:r>
-            <a:r>
-              <a:rPr lang="en-US" sz="1400" i="1" dirty="0" smtClean="0"/>
-              <a:t>hift into last gear which</a:t>
-            </a:r>
-          </a:p>
-          <a:p>
-            <a:r>
-              <a:rPr lang="en-US" sz="1400" i="1" dirty="0" smtClean="0"/>
+              <a:t>shift into last gear which</a:t>
+            </a:r>
+          </a:p>
+          <a:p>
+            <a:r>
+              <a:rPr lang="en-US" sz="1400" i="1" dirty="0"/>
               <a:t>can be 6</a:t>
             </a:r>
             <a:r>
-              <a:rPr lang="en-US" sz="1400" i="1" baseline="30000" dirty="0" smtClean="0"/>
+              <a:rPr lang="en-US" sz="1400" i="1" baseline="30000" dirty="0"/>
               <a:t>th</a:t>
             </a:r>
             <a:r>
-              <a:rPr lang="en-US" sz="1400" i="1" dirty="0" smtClean="0"/>
+              <a:rPr lang="en-US" sz="1400" i="1" dirty="0"/>
               <a:t> or 8</a:t>
             </a:r>
             <a:r>
-              <a:rPr lang="en-US" sz="1400" i="1" baseline="30000" dirty="0" smtClean="0"/>
+              <a:rPr lang="en-US" sz="1400" i="1" baseline="30000" dirty="0"/>
               <a:t>th</a:t>
             </a:r>
             <a:r>
-              <a:rPr lang="en-US" sz="1400" i="1" dirty="0" smtClean="0"/>
+              <a:rPr lang="en-US" sz="1400" i="1" dirty="0"/>
               <a:t> depending</a:t>
             </a:r>
           </a:p>
           <a:p>
             <a:r>
-              <a:rPr lang="en-US" sz="1400" i="1" dirty="0" smtClean="0"/>
+              <a:rPr lang="en-US" sz="1400" i="1" dirty="0"/>
               <a:t>on the shifter configuration </a:t>
             </a:r>
-            <a:endParaRPr lang="en-US" sz="1400" i="1" dirty="0"/>
           </a:p>
         </p:txBody>
       </p:sp>
@@ -4266,8 +4198,8 @@
           <p:nvPr/>
         </p:nvSpPr>
         <p:spPr>
-          <a:xfrm>
-            <a:off x="9421289" y="1221131"/>
+          <a:xfrm rot="10800000">
+            <a:off x="9420301" y="4010676"/>
             <a:ext cx="153162" cy="162053"/>
           </a:xfrm>
           <a:prstGeom prst="rect">
@@ -4314,8 +4246,8 @@
           <p:nvPr/>
         </p:nvSpPr>
         <p:spPr>
-          <a:xfrm rot="10800000">
-            <a:off x="9423887" y="1385565"/>
+          <a:xfrm>
+            <a:off x="9420301" y="3910669"/>
             <a:ext cx="150564" cy="102446"/>
           </a:xfrm>
           <a:prstGeom prst="triangle">
@@ -4363,7 +4295,7 @@
         </p:nvSpPr>
         <p:spPr>
           <a:xfrm>
-            <a:off x="10207758" y="1217287"/>
+            <a:off x="10207758" y="1225102"/>
             <a:ext cx="153162" cy="162053"/>
           </a:xfrm>
           <a:prstGeom prst="rect">
@@ -4554,8 +4486,8 @@
           <p:nvPr/>
         </p:nvSpPr>
         <p:spPr>
-          <a:xfrm rot="5400000">
-            <a:off x="10980972" y="3073789"/>
+          <a:xfrm rot="16200000">
+            <a:off x="7894640" y="3073367"/>
             <a:ext cx="153162" cy="162053"/>
           </a:xfrm>
           <a:prstGeom prst="rect">
@@ -4602,8 +4534,8 @@
           <p:nvPr/>
         </p:nvSpPr>
         <p:spPr>
-          <a:xfrm rot="16200000">
-            <a:off x="10847003" y="3104892"/>
+          <a:xfrm rot="5400000">
+            <a:off x="8025563" y="3104470"/>
             <a:ext cx="150564" cy="102446"/>
           </a:xfrm>
           <a:prstGeom prst="triangle">
@@ -4651,12 +4583,15 @@
         </p:nvSpPr>
         <p:spPr>
           <a:xfrm>
-            <a:off x="9218081" y="2215578"/>
-            <a:ext cx="150891" cy="147873"/>
+            <a:off x="9218082" y="2215579"/>
+            <a:ext cx="105280" cy="111717"/>
           </a:xfrm>
           <a:prstGeom prst="ellipse">
             <a:avLst/>
           </a:prstGeom>
+          <a:solidFill>
+            <a:srgbClr val="FFC000"/>
+          </a:solidFill>
           <a:ln>
             <a:noFill/>
           </a:ln>
@@ -4682,7 +4617,7 @@
           <a:lstStyle/>
           <a:p>
             <a:pPr algn="ctr"/>
-            <a:endParaRPr lang="en-US"/>
+            <a:endParaRPr lang="en-US" dirty="0"/>
           </a:p>
         </p:txBody>
       </p:sp>
@@ -4864,10 +4799,9 @@
           <a:lstStyle/>
           <a:p>
             <a:r>
-              <a:rPr lang="en-US" dirty="0" smtClean="0"/>
+              <a:rPr lang="en-US" dirty="0"/>
               <a:t>1</a:t>
             </a:r>
-            <a:endParaRPr lang="en-US" dirty="0"/>
           </a:p>
         </p:txBody>
       </p:sp>
@@ -4894,10 +4828,9 @@
           <a:lstStyle/>
           <a:p>
             <a:r>
-              <a:rPr lang="en-US" dirty="0" smtClean="0"/>
+              <a:rPr lang="en-US" dirty="0"/>
               <a:t>3</a:t>
             </a:r>
-            <a:endParaRPr lang="en-US" dirty="0"/>
           </a:p>
         </p:txBody>
       </p:sp>
@@ -5040,10 +4973,9 @@
           <a:lstStyle/>
           <a:p>
             <a:r>
-              <a:rPr lang="en-US" dirty="0" smtClean="0"/>
+              <a:rPr lang="en-US" dirty="0"/>
               <a:t>6 (r)</a:t>
             </a:r>
-            <a:endParaRPr lang="en-US" dirty="0"/>
           </a:p>
         </p:txBody>
       </p:sp>
@@ -5071,13 +5003,8 @@
           <a:p>
             <a:r>
               <a:rPr lang="en-US" dirty="0"/>
-              <a:t>8</a:t>
-            </a:r>
-            <a:r>
-              <a:rPr lang="en-US" dirty="0" smtClean="0"/>
-              <a:t> (r)</a:t>
-            </a:r>
-            <a:endParaRPr lang="en-US" dirty="0"/>
+              <a:t>8 (r)</a:t>
+            </a:r>
           </a:p>
         </p:txBody>
       </p:sp>
@@ -5105,26 +5032,24 @@
           <a:p>
             <a:r>
               <a:rPr lang="en-US" dirty="0"/>
-              <a:t>n</a:t>
-            </a:r>
-            <a:r>
-              <a:rPr lang="en-US" dirty="0" smtClean="0"/>
-              <a:t>eutral gear (no button) </a:t>
-            </a:r>
-            <a:endParaRPr lang="en-US" dirty="0"/>
+              <a:t>neutral gear (no button) </a:t>
+            </a:r>
           </a:p>
         </p:txBody>
       </p:sp>
       <p:cxnSp>
         <p:nvCxnSpPr>
           <p:cNvPr id="120" name="Straight Connector 119"/>
-          <p:cNvCxnSpPr/>
+          <p:cNvCxnSpPr>
+            <a:cxnSpLocks/>
+            <a:stCxn id="27" idx="4"/>
+          </p:cNvCxnSpPr>
           <p:nvPr/>
         </p:nvCxnSpPr>
         <p:spPr>
-          <a:xfrm flipH="1">
-            <a:off x="9279654" y="2363451"/>
-            <a:ext cx="8694" cy="1470255"/>
+          <a:xfrm>
+            <a:off x="9270722" y="2327296"/>
+            <a:ext cx="8074" cy="1520673"/>
           </a:xfrm>
           <a:prstGeom prst="line">
             <a:avLst/>
@@ -5152,14 +5077,14 @@
         <p:nvCxnSpPr>
           <p:cNvPr id="121" name="Straight Connector 120"/>
           <p:cNvCxnSpPr>
-            <a:stCxn id="27" idx="2"/>
+            <a:cxnSpLocks/>
           </p:cNvCxnSpPr>
           <p:nvPr/>
         </p:nvCxnSpPr>
         <p:spPr>
-          <a:xfrm flipH="1" flipV="1">
-            <a:off x="8204257" y="2289514"/>
-            <a:ext cx="1013824" cy="1"/>
+          <a:xfrm flipH="1">
+            <a:off x="8189760" y="2271439"/>
+            <a:ext cx="1034466" cy="0"/>
           </a:xfrm>
           <a:prstGeom prst="line">
             <a:avLst/>
@@ -5235,10 +5160,9 @@
           <a:lstStyle/>
           <a:p>
             <a:r>
-              <a:rPr lang="en-US" dirty="0" smtClean="0"/>
+              <a:rPr lang="en-US" dirty="0"/>
               <a:t>X</a:t>
             </a:r>
-            <a:endParaRPr lang="en-US" dirty="0"/>
           </a:p>
         </p:txBody>
       </p:sp>
@@ -5265,10 +5189,9 @@
           <a:lstStyle/>
           <a:p>
             <a:r>
-              <a:rPr lang="en-US" dirty="0" smtClean="0"/>
+              <a:rPr lang="en-US" dirty="0"/>
               <a:t>a</a:t>
             </a:r>
-            <a:endParaRPr lang="en-US" dirty="0"/>
           </a:p>
         </p:txBody>
       </p:sp>
@@ -5280,7 +5203,7 @@
         </p:nvSpPr>
         <p:spPr>
           <a:xfrm>
-            <a:off x="9353545" y="837035"/>
+            <a:off x="9341604" y="4121883"/>
             <a:ext cx="306494" cy="369332"/>
           </a:xfrm>
           <a:prstGeom prst="rect">
@@ -5338,7 +5261,7 @@
         </p:nvSpPr>
         <p:spPr>
           <a:xfrm>
-            <a:off x="11164729" y="2958827"/>
+            <a:off x="7624147" y="2949919"/>
             <a:ext cx="306494" cy="369332"/>
           </a:xfrm>
           <a:prstGeom prst="rect">
@@ -5411,10 +5334,9 @@
           <a:lstStyle/>
           <a:p>
             <a:r>
-              <a:rPr lang="en-US" dirty="0" smtClean="0"/>
+              <a:rPr lang="en-US" dirty="0"/>
               <a:t>0</a:t>
             </a:r>
-            <a:endParaRPr lang="en-US" dirty="0"/>
           </a:p>
         </p:txBody>
       </p:sp>
@@ -5441,10 +5363,9 @@
           <a:lstStyle/>
           <a:p>
             <a:r>
-              <a:rPr lang="en-US" dirty="0" smtClean="0"/>
+              <a:rPr lang="en-US" dirty="0"/>
               <a:t>1023</a:t>
             </a:r>
-            <a:endParaRPr lang="en-US" dirty="0"/>
           </a:p>
         </p:txBody>
       </p:sp>
@@ -5471,10 +5392,9 @@
           <a:lstStyle/>
           <a:p>
             <a:r>
-              <a:rPr lang="en-US" dirty="0" smtClean="0"/>
+              <a:rPr lang="en-US" dirty="0"/>
               <a:t>1023</a:t>
             </a:r>
-            <a:endParaRPr lang="en-US" dirty="0"/>
           </a:p>
         </p:txBody>
       </p:sp>
@@ -5501,10 +5421,9 @@
           <a:lstStyle/>
           <a:p>
             <a:r>
-              <a:rPr lang="en-US" sz="1400" i="1" dirty="0" smtClean="0"/>
+              <a:rPr lang="en-US" sz="1400" i="1" dirty="0"/>
               <a:t>pot0</a:t>
             </a:r>
-            <a:endParaRPr lang="en-US" sz="1400" i="1" dirty="0"/>
           </a:p>
         </p:txBody>
       </p:sp>
@@ -5531,10 +5450,9 @@
           <a:lstStyle/>
           <a:p>
             <a:r>
-              <a:rPr lang="en-US" sz="1400" i="1" dirty="0" smtClean="0"/>
+              <a:rPr lang="en-US" sz="1400" i="1" dirty="0"/>
               <a:t>pot1</a:t>
             </a:r>
-            <a:endParaRPr lang="en-US" sz="1400" i="1" dirty="0"/>
           </a:p>
         </p:txBody>
       </p:sp>
@@ -5590,10 +5508,9 @@
           <a:lstStyle/>
           <a:p>
             <a:r>
-              <a:rPr lang="en-US" sz="1400" dirty="0" smtClean="0"/>
+              <a:rPr lang="en-US" sz="1400" dirty="0"/>
               <a:t>1</a:t>
             </a:r>
-            <a:endParaRPr lang="en-US" sz="1400" dirty="0"/>
           </a:p>
         </p:txBody>
       </p:sp>
@@ -5620,10 +5537,9 @@
           <a:lstStyle/>
           <a:p>
             <a:r>
-              <a:rPr lang="en-US" sz="1400" dirty="0" smtClean="0"/>
+              <a:rPr lang="en-US" sz="1400" dirty="0"/>
               <a:t>2</a:t>
             </a:r>
-            <a:endParaRPr lang="en-US" sz="1400" dirty="0"/>
           </a:p>
         </p:txBody>
       </p:sp>
@@ -5650,10 +5566,9 @@
           <a:lstStyle/>
           <a:p>
             <a:r>
-              <a:rPr lang="en-US" sz="1400" dirty="0" smtClean="0"/>
+              <a:rPr lang="en-US" sz="1400" dirty="0"/>
               <a:t>3</a:t>
             </a:r>
-            <a:endParaRPr lang="en-US" sz="1400" dirty="0"/>
           </a:p>
         </p:txBody>
       </p:sp>
@@ -5680,10 +5595,9 @@
           <a:lstStyle/>
           <a:p>
             <a:r>
-              <a:rPr lang="en-US" sz="1400" i="1" dirty="0" smtClean="0"/>
+              <a:rPr lang="en-US" sz="1400" i="1" dirty="0"/>
               <a:t>or A3*</a:t>
             </a:r>
-            <a:endParaRPr lang="en-US" sz="1400" i="1" dirty="0"/>
           </a:p>
         </p:txBody>
       </p:sp>
